--- a/docs/AC_Integration_Template_architectural_diagram_PCI_Pal_20210208.pptx
+++ b/docs/AC_Integration_Template_architectural_diagram_PCI_Pal_20210208.pptx
@@ -241,7 +241,7 @@
           <a:p>
             <a:fld id="{6BF7732C-A491-D04F-B499-CBB7801B765A}" type="datetimeFigureOut">
               <a:rPr lang="en-US" smtClean="0"/>
-              <a:t>2/8/2021</a:t>
+              <a:t>2/24/2021</a:t>
             </a:fld>
             <a:endParaRPr lang="en-US"/>
           </a:p>
@@ -409,7 +409,7 @@
           <a:p>
             <a:fld id="{6BF7732C-A491-D04F-B499-CBB7801B765A}" type="datetimeFigureOut">
               <a:rPr lang="en-US" smtClean="0"/>
-              <a:t>2/8/2021</a:t>
+              <a:t>2/24/2021</a:t>
             </a:fld>
             <a:endParaRPr lang="en-US"/>
           </a:p>
@@ -587,7 +587,7 @@
           <a:p>
             <a:fld id="{6BF7732C-A491-D04F-B499-CBB7801B765A}" type="datetimeFigureOut">
               <a:rPr lang="en-US" smtClean="0"/>
-              <a:t>2/8/2021</a:t>
+              <a:t>2/24/2021</a:t>
             </a:fld>
             <a:endParaRPr lang="en-US"/>
           </a:p>
@@ -755,7 +755,7 @@
           <a:p>
             <a:fld id="{6BF7732C-A491-D04F-B499-CBB7801B765A}" type="datetimeFigureOut">
               <a:rPr lang="en-US" smtClean="0"/>
-              <a:t>2/8/2021</a:t>
+              <a:t>2/24/2021</a:t>
             </a:fld>
             <a:endParaRPr lang="en-US"/>
           </a:p>
@@ -1000,7 +1000,7 @@
           <a:p>
             <a:fld id="{6BF7732C-A491-D04F-B499-CBB7801B765A}" type="datetimeFigureOut">
               <a:rPr lang="en-US" smtClean="0"/>
-              <a:t>2/8/2021</a:t>
+              <a:t>2/24/2021</a:t>
             </a:fld>
             <a:endParaRPr lang="en-US"/>
           </a:p>
@@ -1229,7 +1229,7 @@
           <a:p>
             <a:fld id="{6BF7732C-A491-D04F-B499-CBB7801B765A}" type="datetimeFigureOut">
               <a:rPr lang="en-US" smtClean="0"/>
-              <a:t>2/8/2021</a:t>
+              <a:t>2/24/2021</a:t>
             </a:fld>
             <a:endParaRPr lang="en-US"/>
           </a:p>
@@ -1593,7 +1593,7 @@
           <a:p>
             <a:fld id="{6BF7732C-A491-D04F-B499-CBB7801B765A}" type="datetimeFigureOut">
               <a:rPr lang="en-US" smtClean="0"/>
-              <a:t>2/8/2021</a:t>
+              <a:t>2/24/2021</a:t>
             </a:fld>
             <a:endParaRPr lang="en-US"/>
           </a:p>
@@ -1710,7 +1710,7 @@
           <a:p>
             <a:fld id="{6BF7732C-A491-D04F-B499-CBB7801B765A}" type="datetimeFigureOut">
               <a:rPr lang="en-US" smtClean="0"/>
-              <a:t>2/8/2021</a:t>
+              <a:t>2/24/2021</a:t>
             </a:fld>
             <a:endParaRPr lang="en-US"/>
           </a:p>
@@ -1805,7 +1805,7 @@
           <a:p>
             <a:fld id="{6BF7732C-A491-D04F-B499-CBB7801B765A}" type="datetimeFigureOut">
               <a:rPr lang="en-US" smtClean="0"/>
-              <a:t>2/8/2021</a:t>
+              <a:t>2/24/2021</a:t>
             </a:fld>
             <a:endParaRPr lang="en-US"/>
           </a:p>
@@ -2080,7 +2080,7 @@
           <a:p>
             <a:fld id="{6BF7732C-A491-D04F-B499-CBB7801B765A}" type="datetimeFigureOut">
               <a:rPr lang="en-US" smtClean="0"/>
-              <a:t>2/8/2021</a:t>
+              <a:t>2/24/2021</a:t>
             </a:fld>
             <a:endParaRPr lang="en-US"/>
           </a:p>
@@ -2332,7 +2332,7 @@
           <a:p>
             <a:fld id="{6BF7732C-A491-D04F-B499-CBB7801B765A}" type="datetimeFigureOut">
               <a:rPr lang="en-US" smtClean="0"/>
-              <a:t>2/8/2021</a:t>
+              <a:t>2/24/2021</a:t>
             </a:fld>
             <a:endParaRPr lang="en-US"/>
           </a:p>
@@ -2543,7 +2543,7 @@
           <a:p>
             <a:fld id="{6BF7732C-A491-D04F-B499-CBB7801B765A}" type="datetimeFigureOut">
               <a:rPr lang="en-US" smtClean="0"/>
-              <a:t>2/8/2021</a:t>
+              <a:t>2/24/2021</a:t>
             </a:fld>
             <a:endParaRPr lang="en-US"/>
           </a:p>
@@ -2948,957 +2948,12 @@
           <a:chExt cx="0" cy="0"/>
         </a:xfrm>
       </p:grpSpPr>
-      <p:sp>
-        <p:nvSpPr>
-          <p:cNvPr id="15" name="Rounded Rectangle 14"/>
-          <p:cNvSpPr/>
-          <p:nvPr/>
-        </p:nvSpPr>
-        <p:spPr>
-          <a:xfrm>
-            <a:off x="3981276" y="845883"/>
-            <a:ext cx="2342942" cy="2237696"/>
-          </a:xfrm>
-          <a:prstGeom prst="roundRect">
-            <a:avLst>
-              <a:gd name="adj" fmla="val 9818"/>
-            </a:avLst>
-          </a:prstGeom>
-          <a:solidFill>
-            <a:schemeClr val="accent2">
-              <a:alpha val="25000"/>
-            </a:schemeClr>
-          </a:solidFill>
-          <a:ln w="19050">
-            <a:solidFill>
-              <a:srgbClr val="F7981F"/>
-            </a:solidFill>
-            <a:prstDash val="lgDash"/>
-          </a:ln>
-          <a:effectLst/>
-        </p:spPr>
-        <p:style>
-          <a:lnRef idx="1">
-            <a:schemeClr val="accent1"/>
-          </a:lnRef>
-          <a:fillRef idx="3">
-            <a:schemeClr val="accent1"/>
-          </a:fillRef>
-          <a:effectRef idx="2">
-            <a:schemeClr val="accent1"/>
-          </a:effectRef>
-          <a:fontRef idx="minor">
-            <a:schemeClr val="lt1"/>
-          </a:fontRef>
-        </p:style>
-        <p:txBody>
-          <a:bodyPr anchor="t"/>
-          <a:lstStyle/>
-          <a:p>
-            <a:pPr algn="ctr" fontAlgn="auto">
-              <a:spcBef>
-                <a:spcPts val="0"/>
-              </a:spcBef>
-              <a:spcAft>
-                <a:spcPts val="0"/>
-              </a:spcAft>
-              <a:defRPr/>
-            </a:pPr>
-            <a:r>
-              <a:rPr lang="en-US" dirty="0">
-                <a:solidFill>
-                  <a:schemeClr val="tx1"/>
-                </a:solidFill>
-                <a:latin typeface="Amazon Ember" charset="0"/>
-                <a:ea typeface="Amazon Ember" charset="0"/>
-                <a:cs typeface="Amazon Ember" charset="0"/>
-              </a:rPr>
-              <a:t>PCI Pal</a:t>
-            </a:r>
-          </a:p>
-          <a:p>
-            <a:pPr algn="ctr" fontAlgn="auto">
-              <a:spcBef>
-                <a:spcPts val="0"/>
-              </a:spcBef>
-              <a:spcAft>
-                <a:spcPts val="0"/>
-              </a:spcAft>
-              <a:defRPr/>
-            </a:pPr>
-            <a:r>
-              <a:rPr lang="en-US" dirty="0">
-                <a:solidFill>
-                  <a:schemeClr val="tx1"/>
-                </a:solidFill>
-                <a:latin typeface="Amazon Ember" charset="0"/>
-                <a:ea typeface="Amazon Ember" charset="0"/>
-                <a:cs typeface="Amazon Ember" charset="0"/>
-              </a:rPr>
-              <a:t>Integration</a:t>
-            </a:r>
-          </a:p>
-        </p:txBody>
-      </p:sp>
       <p:pic>
         <p:nvPicPr>
-          <p:cNvPr id="6" name="Picture 5"/>
-          <p:cNvPicPr>
-            <a:picLocks noChangeAspect="1"/>
-          </p:cNvPicPr>
-          <p:nvPr/>
-        </p:nvPicPr>
-        <p:blipFill>
-          <a:blip r:embed="rId2">
-            <a:extLst>
-              <a:ext uri="{28A0092B-C50C-407E-A947-70E740481C1C}">
-                <a14:useLocalDpi xmlns:a14="http://schemas.microsoft.com/office/drawing/2010/main" val="0"/>
-              </a:ext>
-            </a:extLst>
-          </a:blip>
-          <a:stretch>
-            <a:fillRect/>
-          </a:stretch>
-        </p:blipFill>
-        <p:spPr>
-          <a:xfrm>
-            <a:off x="4711006" y="1531460"/>
-            <a:ext cx="877824" cy="912249"/>
-          </a:xfrm>
-          <a:prstGeom prst="rect">
-            <a:avLst/>
-          </a:prstGeom>
-        </p:spPr>
-      </p:pic>
-      <p:sp>
-        <p:nvSpPr>
-          <p:cNvPr id="12" name="Rounded Rectangle 11"/>
-          <p:cNvSpPr/>
-          <p:nvPr/>
-        </p:nvSpPr>
-        <p:spPr>
-          <a:xfrm>
-            <a:off x="1566507" y="570422"/>
-            <a:ext cx="10207803" cy="5767956"/>
-          </a:xfrm>
-          <a:prstGeom prst="roundRect">
-            <a:avLst>
-              <a:gd name="adj" fmla="val 9818"/>
-            </a:avLst>
-          </a:prstGeom>
-          <a:noFill/>
-          <a:ln w="6350">
-            <a:solidFill>
-              <a:schemeClr val="tx1"/>
-            </a:solidFill>
-            <a:prstDash val="solid"/>
-          </a:ln>
-          <a:effectLst/>
-        </p:spPr>
-        <p:style>
-          <a:lnRef idx="1">
-            <a:schemeClr val="accent1"/>
-          </a:lnRef>
-          <a:fillRef idx="3">
-            <a:schemeClr val="accent1"/>
-          </a:fillRef>
-          <a:effectRef idx="2">
-            <a:schemeClr val="accent1"/>
-          </a:effectRef>
-          <a:fontRef idx="minor">
-            <a:schemeClr val="lt1"/>
-          </a:fontRef>
-        </p:style>
-        <p:txBody>
-          <a:bodyPr anchor="ctr"/>
-          <a:lstStyle/>
-          <a:p>
-            <a:pPr algn="ctr" fontAlgn="auto">
-              <a:spcBef>
-                <a:spcPts val="0"/>
-              </a:spcBef>
-              <a:spcAft>
-                <a:spcPts val="0"/>
-              </a:spcAft>
-              <a:defRPr/>
-            </a:pPr>
-            <a:endParaRPr lang="en-US" dirty="0">
-              <a:solidFill>
-                <a:schemeClr val="tx1"/>
-              </a:solidFill>
-              <a:latin typeface="Arial"/>
-              <a:cs typeface="Arial"/>
-            </a:endParaRPr>
-          </a:p>
-          <a:p>
-            <a:pPr algn="ctr" fontAlgn="auto">
-              <a:spcBef>
-                <a:spcPts val="0"/>
-              </a:spcBef>
-              <a:spcAft>
-                <a:spcPts val="0"/>
-              </a:spcAft>
-              <a:defRPr/>
-            </a:pPr>
-            <a:endParaRPr lang="en-US" dirty="0">
-              <a:solidFill>
-                <a:schemeClr val="tx1"/>
-              </a:solidFill>
-              <a:latin typeface="Arial"/>
-              <a:cs typeface="Arial"/>
-            </a:endParaRPr>
-          </a:p>
-          <a:p>
-            <a:pPr algn="ctr" fontAlgn="auto">
-              <a:spcBef>
-                <a:spcPts val="0"/>
-              </a:spcBef>
-              <a:spcAft>
-                <a:spcPts val="0"/>
-              </a:spcAft>
-              <a:defRPr/>
-            </a:pPr>
-            <a:endParaRPr lang="en-US" dirty="0">
-              <a:solidFill>
-                <a:schemeClr val="tx1"/>
-              </a:solidFill>
-              <a:latin typeface="Arial"/>
-              <a:cs typeface="Arial"/>
-            </a:endParaRPr>
-          </a:p>
-          <a:p>
-            <a:pPr algn="ctr" fontAlgn="auto">
-              <a:spcBef>
-                <a:spcPts val="0"/>
-              </a:spcBef>
-              <a:spcAft>
-                <a:spcPts val="0"/>
-              </a:spcAft>
-              <a:defRPr/>
-            </a:pPr>
-            <a:endParaRPr lang="en-US" dirty="0">
-              <a:solidFill>
-                <a:schemeClr val="tx1"/>
-              </a:solidFill>
-              <a:latin typeface="Arial"/>
-              <a:cs typeface="Arial"/>
-            </a:endParaRPr>
-          </a:p>
-          <a:p>
-            <a:pPr algn="ctr" fontAlgn="auto">
-              <a:spcBef>
-                <a:spcPts val="0"/>
-              </a:spcBef>
-              <a:spcAft>
-                <a:spcPts val="0"/>
-              </a:spcAft>
-              <a:defRPr/>
-            </a:pPr>
-            <a:endParaRPr lang="en-US" dirty="0">
-              <a:solidFill>
-                <a:schemeClr val="tx1"/>
-              </a:solidFill>
-              <a:latin typeface="Arial"/>
-              <a:cs typeface="Arial"/>
-            </a:endParaRPr>
-          </a:p>
-          <a:p>
-            <a:pPr algn="ctr" fontAlgn="auto">
-              <a:spcBef>
-                <a:spcPts val="0"/>
-              </a:spcBef>
-              <a:spcAft>
-                <a:spcPts val="0"/>
-              </a:spcAft>
-              <a:defRPr/>
-            </a:pPr>
-            <a:endParaRPr lang="en-US" dirty="0">
-              <a:solidFill>
-                <a:schemeClr val="tx1"/>
-              </a:solidFill>
-              <a:latin typeface="Arial"/>
-              <a:cs typeface="Arial"/>
-            </a:endParaRPr>
-          </a:p>
-          <a:p>
-            <a:pPr algn="ctr" fontAlgn="auto">
-              <a:spcBef>
-                <a:spcPts val="0"/>
-              </a:spcBef>
-              <a:spcAft>
-                <a:spcPts val="0"/>
-              </a:spcAft>
-              <a:defRPr/>
-            </a:pPr>
-            <a:endParaRPr lang="en-US" dirty="0">
-              <a:solidFill>
-                <a:schemeClr val="tx1"/>
-              </a:solidFill>
-              <a:latin typeface="Arial"/>
-              <a:cs typeface="Arial"/>
-            </a:endParaRPr>
-          </a:p>
-          <a:p>
-            <a:pPr algn="ctr" fontAlgn="auto">
-              <a:spcBef>
-                <a:spcPts val="0"/>
-              </a:spcBef>
-              <a:spcAft>
-                <a:spcPts val="0"/>
-              </a:spcAft>
-              <a:defRPr/>
-            </a:pPr>
-            <a:endParaRPr lang="en-US" dirty="0">
-              <a:solidFill>
-                <a:schemeClr val="tx1"/>
-              </a:solidFill>
-              <a:latin typeface="Arial"/>
-              <a:cs typeface="Arial"/>
-            </a:endParaRPr>
-          </a:p>
-          <a:p>
-            <a:pPr algn="ctr" fontAlgn="auto">
-              <a:spcBef>
-                <a:spcPts val="0"/>
-              </a:spcBef>
-              <a:spcAft>
-                <a:spcPts val="0"/>
-              </a:spcAft>
-              <a:defRPr/>
-            </a:pPr>
-            <a:endParaRPr lang="en-US" dirty="0">
-              <a:solidFill>
-                <a:schemeClr val="tx1"/>
-              </a:solidFill>
-              <a:latin typeface="Arial"/>
-              <a:cs typeface="Arial"/>
-            </a:endParaRPr>
-          </a:p>
-          <a:p>
-            <a:pPr algn="ctr" fontAlgn="auto">
-              <a:spcBef>
-                <a:spcPts val="0"/>
-              </a:spcBef>
-              <a:spcAft>
-                <a:spcPts val="0"/>
-              </a:spcAft>
-              <a:defRPr/>
-            </a:pPr>
-            <a:endParaRPr lang="en-US" dirty="0">
-              <a:solidFill>
-                <a:schemeClr val="tx1"/>
-              </a:solidFill>
-              <a:latin typeface="Arial"/>
-              <a:cs typeface="Arial"/>
-            </a:endParaRPr>
-          </a:p>
-          <a:p>
-            <a:pPr algn="ctr" fontAlgn="auto">
-              <a:spcBef>
-                <a:spcPts val="0"/>
-              </a:spcBef>
-              <a:spcAft>
-                <a:spcPts val="0"/>
-              </a:spcAft>
-              <a:defRPr/>
-            </a:pPr>
-            <a:endParaRPr lang="en-US" dirty="0">
-              <a:solidFill>
-                <a:schemeClr val="tx1"/>
-              </a:solidFill>
-              <a:latin typeface="Arial"/>
-              <a:cs typeface="Arial"/>
-            </a:endParaRPr>
-          </a:p>
-          <a:p>
-            <a:pPr algn="ctr" fontAlgn="auto">
-              <a:spcBef>
-                <a:spcPts val="0"/>
-              </a:spcBef>
-              <a:spcAft>
-                <a:spcPts val="0"/>
-              </a:spcAft>
-              <a:defRPr/>
-            </a:pPr>
-            <a:endParaRPr lang="en-US" dirty="0">
-              <a:solidFill>
-                <a:schemeClr val="tx1"/>
-              </a:solidFill>
-              <a:latin typeface="Arial"/>
-              <a:cs typeface="Arial"/>
-            </a:endParaRPr>
-          </a:p>
-          <a:p>
-            <a:pPr algn="ctr" fontAlgn="auto">
-              <a:spcBef>
-                <a:spcPts val="0"/>
-              </a:spcBef>
-              <a:spcAft>
-                <a:spcPts val="0"/>
-              </a:spcAft>
-              <a:defRPr/>
-            </a:pPr>
-            <a:endParaRPr lang="en-US" dirty="0">
-              <a:solidFill>
-                <a:schemeClr val="tx1"/>
-              </a:solidFill>
-              <a:latin typeface="Arial"/>
-              <a:cs typeface="Arial"/>
-            </a:endParaRPr>
-          </a:p>
-          <a:p>
-            <a:pPr algn="ctr" fontAlgn="auto">
-              <a:spcBef>
-                <a:spcPts val="0"/>
-              </a:spcBef>
-              <a:spcAft>
-                <a:spcPts val="0"/>
-              </a:spcAft>
-              <a:defRPr/>
-            </a:pPr>
-            <a:endParaRPr lang="en-US" dirty="0">
-              <a:solidFill>
-                <a:schemeClr val="tx1"/>
-              </a:solidFill>
-              <a:latin typeface="Arial"/>
-              <a:cs typeface="Arial"/>
-            </a:endParaRPr>
-          </a:p>
-          <a:p>
-            <a:pPr algn="ctr" fontAlgn="auto">
-              <a:spcBef>
-                <a:spcPts val="0"/>
-              </a:spcBef>
-              <a:spcAft>
-                <a:spcPts val="0"/>
-              </a:spcAft>
-              <a:defRPr/>
-            </a:pPr>
-            <a:endParaRPr lang="en-US" dirty="0">
-              <a:solidFill>
-                <a:schemeClr val="tx1"/>
-              </a:solidFill>
-              <a:latin typeface="Arial"/>
-              <a:cs typeface="Arial"/>
-            </a:endParaRPr>
-          </a:p>
-          <a:p>
-            <a:pPr algn="ctr" fontAlgn="auto">
-              <a:spcBef>
-                <a:spcPts val="0"/>
-              </a:spcBef>
-              <a:spcAft>
-                <a:spcPts val="0"/>
-              </a:spcAft>
-              <a:defRPr/>
-            </a:pPr>
-            <a:endParaRPr lang="en-US" dirty="0">
-              <a:solidFill>
-                <a:schemeClr val="tx1"/>
-              </a:solidFill>
-              <a:latin typeface="Arial"/>
-              <a:cs typeface="Arial"/>
-            </a:endParaRPr>
-          </a:p>
-          <a:p>
-            <a:pPr algn="ctr" fontAlgn="auto">
-              <a:spcBef>
-                <a:spcPts val="0"/>
-              </a:spcBef>
-              <a:spcAft>
-                <a:spcPts val="0"/>
-              </a:spcAft>
-              <a:defRPr/>
-            </a:pPr>
-            <a:endParaRPr lang="en-US" dirty="0">
-              <a:solidFill>
-                <a:schemeClr val="tx1"/>
-              </a:solidFill>
-              <a:latin typeface="Arial"/>
-              <a:cs typeface="Arial"/>
-            </a:endParaRPr>
-          </a:p>
-          <a:p>
-            <a:pPr algn="ctr" fontAlgn="auto">
-              <a:spcBef>
-                <a:spcPts val="0"/>
-              </a:spcBef>
-              <a:spcAft>
-                <a:spcPts val="0"/>
-              </a:spcAft>
-              <a:defRPr/>
-            </a:pPr>
-            <a:endParaRPr lang="en-US" dirty="0">
-              <a:solidFill>
-                <a:schemeClr val="tx1"/>
-              </a:solidFill>
-              <a:latin typeface="Arial"/>
-              <a:cs typeface="Arial"/>
-            </a:endParaRPr>
-          </a:p>
-          <a:p>
-            <a:pPr algn="ctr" fontAlgn="auto">
-              <a:spcBef>
-                <a:spcPts val="0"/>
-              </a:spcBef>
-              <a:spcAft>
-                <a:spcPts val="0"/>
-              </a:spcAft>
-              <a:defRPr/>
-            </a:pPr>
-            <a:endParaRPr lang="en-US" dirty="0">
-              <a:solidFill>
-                <a:schemeClr val="tx1"/>
-              </a:solidFill>
-              <a:latin typeface="Arial"/>
-              <a:cs typeface="Arial"/>
-            </a:endParaRPr>
-          </a:p>
-          <a:p>
-            <a:pPr algn="ctr" fontAlgn="auto">
-              <a:spcBef>
-                <a:spcPts val="0"/>
-              </a:spcBef>
-              <a:spcAft>
-                <a:spcPts val="0"/>
-              </a:spcAft>
-              <a:defRPr/>
-            </a:pPr>
-            <a:r>
-              <a:rPr lang="en-US" dirty="0">
-                <a:solidFill>
-                  <a:schemeClr val="tx1"/>
-                </a:solidFill>
-                <a:latin typeface="Amazon Ember" charset="0"/>
-                <a:ea typeface="Amazon Ember" charset="0"/>
-                <a:cs typeface="Amazon Ember" charset="0"/>
-              </a:rPr>
-              <a:t>AWS Region</a:t>
-            </a:r>
-          </a:p>
-        </p:txBody>
-      </p:sp>
-      <p:pic>
-        <p:nvPicPr>
-          <p:cNvPr id="14" name="Picture 13"/>
-          <p:cNvPicPr>
-            <a:picLocks noChangeAspect="1"/>
-          </p:cNvPicPr>
-          <p:nvPr/>
-        </p:nvPicPr>
-        <p:blipFill>
-          <a:blip r:embed="rId3">
-            <a:extLst>
-              <a:ext uri="{28A0092B-C50C-407E-A947-70E740481C1C}">
-                <a14:useLocalDpi xmlns:a14="http://schemas.microsoft.com/office/drawing/2010/main" val="0"/>
-              </a:ext>
-            </a:extLst>
-          </a:blip>
-          <a:stretch>
-            <a:fillRect/>
-          </a:stretch>
-        </p:blipFill>
-        <p:spPr>
-          <a:xfrm>
-            <a:off x="1727152" y="244712"/>
-            <a:ext cx="997919" cy="651420"/>
-          </a:xfrm>
-          <a:prstGeom prst="rect">
-            <a:avLst/>
-          </a:prstGeom>
-        </p:spPr>
-      </p:pic>
-      <p:sp>
-        <p:nvSpPr>
-          <p:cNvPr id="18" name="Rounded Rectangle 17"/>
-          <p:cNvSpPr/>
-          <p:nvPr/>
-        </p:nvSpPr>
-        <p:spPr>
-          <a:xfrm>
-            <a:off x="7484904" y="2325511"/>
-            <a:ext cx="4038332" cy="2297290"/>
-          </a:xfrm>
-          <a:prstGeom prst="roundRect">
-            <a:avLst>
-              <a:gd name="adj" fmla="val 9818"/>
-            </a:avLst>
-          </a:prstGeom>
-          <a:noFill/>
-          <a:ln w="6350">
-            <a:solidFill>
-              <a:schemeClr val="tx1"/>
-            </a:solidFill>
-            <a:prstDash val="solid"/>
-          </a:ln>
-          <a:effectLst/>
-        </p:spPr>
-        <p:style>
-          <a:lnRef idx="1">
-            <a:schemeClr val="accent1"/>
-          </a:lnRef>
-          <a:fillRef idx="3">
-            <a:schemeClr val="accent1"/>
-          </a:fillRef>
-          <a:effectRef idx="2">
-            <a:schemeClr val="accent1"/>
-          </a:effectRef>
-          <a:fontRef idx="minor">
-            <a:schemeClr val="lt1"/>
-          </a:fontRef>
-        </p:style>
-        <p:txBody>
-          <a:bodyPr anchor="ctr"/>
-          <a:lstStyle/>
-          <a:p>
-            <a:pPr algn="ctr" fontAlgn="auto">
-              <a:spcBef>
-                <a:spcPts val="0"/>
-              </a:spcBef>
-              <a:spcAft>
-                <a:spcPts val="0"/>
-              </a:spcAft>
-              <a:defRPr/>
-            </a:pPr>
-            <a:endParaRPr lang="en-US" dirty="0">
-              <a:solidFill>
-                <a:schemeClr val="tx1"/>
-              </a:solidFill>
-              <a:latin typeface="Helvetica Neue"/>
-              <a:cs typeface="Helvetica Neue"/>
-            </a:endParaRPr>
-          </a:p>
-        </p:txBody>
-      </p:sp>
-      <p:cxnSp>
-        <p:nvCxnSpPr>
-          <p:cNvPr id="25" name="Straight Arrow Connector 24"/>
-          <p:cNvCxnSpPr>
-            <a:cxnSpLocks/>
-            <a:stCxn id="9" idx="3"/>
-            <a:endCxn id="6" idx="1"/>
-          </p:cNvCxnSpPr>
-          <p:nvPr/>
-        </p:nvCxnSpPr>
-        <p:spPr>
-          <a:xfrm flipV="1">
-            <a:off x="3555720" y="1987585"/>
-            <a:ext cx="1155286" cy="1478580"/>
-          </a:xfrm>
-          <a:prstGeom prst="straightConnector1">
-            <a:avLst/>
-          </a:prstGeom>
-          <a:ln w="57150">
-            <a:solidFill>
-              <a:schemeClr val="tx1"/>
-            </a:solidFill>
-            <a:tailEnd type="triangle"/>
-          </a:ln>
-        </p:spPr>
-        <p:style>
-          <a:lnRef idx="1">
-            <a:schemeClr val="accent1"/>
-          </a:lnRef>
-          <a:fillRef idx="0">
-            <a:schemeClr val="accent1"/>
-          </a:fillRef>
-          <a:effectRef idx="0">
-            <a:schemeClr val="accent1"/>
-          </a:effectRef>
-          <a:fontRef idx="minor">
-            <a:schemeClr val="tx1"/>
-          </a:fontRef>
-        </p:style>
-      </p:cxnSp>
-      <p:cxnSp>
-        <p:nvCxnSpPr>
-          <p:cNvPr id="28" name="Straight Arrow Connector 27"/>
-          <p:cNvCxnSpPr>
-            <a:cxnSpLocks/>
-            <a:endCxn id="18" idx="1"/>
-          </p:cNvCxnSpPr>
-          <p:nvPr/>
-        </p:nvCxnSpPr>
-        <p:spPr>
-          <a:xfrm flipV="1">
-            <a:off x="3555720" y="3474156"/>
-            <a:ext cx="3929184" cy="42792"/>
-          </a:xfrm>
-          <a:prstGeom prst="straightConnector1">
-            <a:avLst/>
-          </a:prstGeom>
-          <a:ln w="57150">
-            <a:solidFill>
-              <a:schemeClr val="tx1"/>
-            </a:solidFill>
-            <a:tailEnd type="triangle"/>
-          </a:ln>
-        </p:spPr>
-        <p:style>
-          <a:lnRef idx="1">
-            <a:schemeClr val="accent1"/>
-          </a:lnRef>
-          <a:fillRef idx="0">
-            <a:schemeClr val="accent1"/>
-          </a:fillRef>
-          <a:effectRef idx="0">
-            <a:schemeClr val="accent1"/>
-          </a:effectRef>
-          <a:fontRef idx="minor">
-            <a:schemeClr val="tx1"/>
-          </a:fontRef>
-        </p:style>
-      </p:cxnSp>
-      <p:pic>
-        <p:nvPicPr>
-          <p:cNvPr id="31" name="Picture 30"/>
-          <p:cNvPicPr>
-            <a:picLocks noChangeAspect="1"/>
-          </p:cNvPicPr>
-          <p:nvPr/>
-        </p:nvPicPr>
-        <p:blipFill>
-          <a:blip r:embed="rId4">
-            <a:extLst>
-              <a:ext uri="{28A0092B-C50C-407E-A947-70E740481C1C}">
-                <a14:useLocalDpi xmlns:a14="http://schemas.microsoft.com/office/drawing/2010/main" val="0"/>
-              </a:ext>
-            </a:extLst>
-          </a:blip>
-          <a:stretch>
-            <a:fillRect/>
-          </a:stretch>
-        </p:blipFill>
-        <p:spPr>
-          <a:xfrm>
-            <a:off x="532233" y="3012839"/>
-            <a:ext cx="685800" cy="914400"/>
-          </a:xfrm>
-          <a:prstGeom prst="rect">
-            <a:avLst/>
-          </a:prstGeom>
-        </p:spPr>
-      </p:pic>
-      <p:cxnSp>
-        <p:nvCxnSpPr>
-          <p:cNvPr id="32" name="Straight Arrow Connector 31"/>
-          <p:cNvCxnSpPr>
-            <a:stCxn id="31" idx="3"/>
-            <a:endCxn id="9" idx="1"/>
-          </p:cNvCxnSpPr>
-          <p:nvPr/>
-        </p:nvCxnSpPr>
-        <p:spPr>
-          <a:xfrm flipV="1">
-            <a:off x="1218033" y="3466165"/>
-            <a:ext cx="646156" cy="3874"/>
-          </a:xfrm>
-          <a:prstGeom prst="straightConnector1">
-            <a:avLst/>
-          </a:prstGeom>
-          <a:ln w="57150">
-            <a:solidFill>
-              <a:schemeClr val="tx1"/>
-            </a:solidFill>
-            <a:tailEnd type="triangle"/>
-          </a:ln>
-        </p:spPr>
-        <p:style>
-          <a:lnRef idx="1">
-            <a:schemeClr val="accent1"/>
-          </a:lnRef>
-          <a:fillRef idx="0">
-            <a:schemeClr val="accent1"/>
-          </a:fillRef>
-          <a:effectRef idx="0">
-            <a:schemeClr val="accent1"/>
-          </a:effectRef>
-          <a:fontRef idx="minor">
-            <a:schemeClr val="tx1"/>
-          </a:fontRef>
-        </p:style>
-      </p:cxnSp>
-      <p:sp>
-        <p:nvSpPr>
-          <p:cNvPr id="4" name="Rectangle 3"/>
-          <p:cNvSpPr/>
-          <p:nvPr/>
-        </p:nvSpPr>
-        <p:spPr>
-          <a:xfrm>
-            <a:off x="1727152" y="4124547"/>
-            <a:ext cx="1965603" cy="369332"/>
-          </a:xfrm>
-          <a:prstGeom prst="rect">
-            <a:avLst/>
-          </a:prstGeom>
-        </p:spPr>
-        <p:txBody>
-          <a:bodyPr wrap="none">
-            <a:spAutoFit/>
-          </a:bodyPr>
-          <a:lstStyle/>
-          <a:p>
-            <a:pPr algn="ctr" fontAlgn="auto">
-              <a:spcBef>
-                <a:spcPts val="0"/>
-              </a:spcBef>
-              <a:spcAft>
-                <a:spcPts val="0"/>
-              </a:spcAft>
-              <a:defRPr/>
-            </a:pPr>
-            <a:r>
-              <a:rPr lang="en-US" dirty="0">
-                <a:latin typeface="Amazon Ember" charset="0"/>
-                <a:ea typeface="Amazon Ember" charset="0"/>
-                <a:cs typeface="Amazon Ember" charset="0"/>
-              </a:rPr>
-              <a:t>Amazon Connect</a:t>
-            </a:r>
-          </a:p>
-        </p:txBody>
-      </p:sp>
-      <p:pic>
-        <p:nvPicPr>
-          <p:cNvPr id="9" name="Picture 8"/>
-          <p:cNvPicPr>
-            <a:picLocks noChangeAspect="1"/>
-          </p:cNvPicPr>
-          <p:nvPr/>
-        </p:nvPicPr>
-        <p:blipFill>
-          <a:blip r:embed="rId5">
-            <a:extLst>
-              <a:ext uri="{28A0092B-C50C-407E-A947-70E740481C1C}">
-                <a14:useLocalDpi xmlns:a14="http://schemas.microsoft.com/office/drawing/2010/main" val="0"/>
-              </a:ext>
-            </a:extLst>
-          </a:blip>
-          <a:stretch>
-            <a:fillRect/>
-          </a:stretch>
-        </p:blipFill>
-        <p:spPr>
-          <a:xfrm>
-            <a:off x="1864189" y="2815576"/>
-            <a:ext cx="1691531" cy="1301178"/>
-          </a:xfrm>
-          <a:prstGeom prst="rect">
-            <a:avLst/>
-          </a:prstGeom>
-        </p:spPr>
-      </p:pic>
-      <p:sp>
-        <p:nvSpPr>
-          <p:cNvPr id="16" name="TextBox 15"/>
-          <p:cNvSpPr txBox="1"/>
-          <p:nvPr/>
-        </p:nvSpPr>
-        <p:spPr>
-          <a:xfrm>
-            <a:off x="3938897" y="2505018"/>
-            <a:ext cx="2403642" cy="738664"/>
-          </a:xfrm>
-          <a:prstGeom prst="rect">
-            <a:avLst/>
-          </a:prstGeom>
-          <a:noFill/>
-        </p:spPr>
-        <p:txBody>
-          <a:bodyPr wrap="square" rtlCol="0">
-            <a:spAutoFit/>
-          </a:bodyPr>
-          <a:lstStyle/>
-          <a:p>
-            <a:pPr algn="ctr"/>
-            <a:r>
-              <a:rPr lang="en-US" sz="1400" dirty="0" err="1">
-                <a:latin typeface="Amazon Ember" charset="0"/>
-                <a:ea typeface="Amazon Ember" charset="0"/>
-                <a:cs typeface="Amazon Ember" charset="0"/>
-              </a:rPr>
-              <a:t>AddAgent</a:t>
-            </a:r>
-            <a:r>
-              <a:rPr lang="en-US" sz="1400" dirty="0">
-                <a:latin typeface="Amazon Ember" charset="0"/>
-                <a:ea typeface="Amazon Ember" charset="0"/>
-                <a:cs typeface="Amazon Ember" charset="0"/>
-              </a:rPr>
-              <a:t>, </a:t>
-            </a:r>
-            <a:r>
-              <a:rPr lang="en-US" sz="1400" dirty="0" err="1">
-                <a:latin typeface="Amazon Ember" charset="0"/>
-                <a:ea typeface="Amazon Ember" charset="0"/>
-                <a:cs typeface="Amazon Ember" charset="0"/>
-              </a:rPr>
-              <a:t>GetAgent</a:t>
-            </a:r>
-            <a:endParaRPr lang="en-US" sz="1400" dirty="0">
-              <a:latin typeface="Amazon Ember" charset="0"/>
-              <a:ea typeface="Amazon Ember" charset="0"/>
-              <a:cs typeface="Amazon Ember" charset="0"/>
-            </a:endParaRPr>
-          </a:p>
-          <a:p>
-            <a:pPr algn="ctr"/>
-            <a:r>
-              <a:rPr lang="en-US" sz="1400" dirty="0">
-                <a:latin typeface="Amazon Ember" charset="0"/>
-                <a:ea typeface="Amazon Ember" charset="0"/>
-                <a:cs typeface="Amazon Ember" charset="0"/>
-              </a:rPr>
-              <a:t>Lambda functions</a:t>
-            </a:r>
-          </a:p>
-          <a:p>
-            <a:pPr algn="ctr"/>
-            <a:endParaRPr lang="en-US" sz="1400" dirty="0">
-              <a:latin typeface="Amazon Ember" charset="0"/>
-              <a:ea typeface="Amazon Ember" charset="0"/>
-              <a:cs typeface="Amazon Ember" charset="0"/>
-            </a:endParaRPr>
-          </a:p>
-        </p:txBody>
-      </p:sp>
-      <p:pic>
-        <p:nvPicPr>
-          <p:cNvPr id="11" name="Picture 10"/>
-          <p:cNvPicPr>
-            <a:picLocks noChangeAspect="1"/>
-          </p:cNvPicPr>
-          <p:nvPr/>
-        </p:nvPicPr>
-        <p:blipFill>
-          <a:blip r:embed="rId6">
-            <a:extLst>
-              <a:ext uri="{28A0092B-C50C-407E-A947-70E740481C1C}">
-                <a14:useLocalDpi xmlns:a14="http://schemas.microsoft.com/office/drawing/2010/main" val="0"/>
-              </a:ext>
-            </a:extLst>
-          </a:blip>
-          <a:stretch>
-            <a:fillRect/>
-          </a:stretch>
-        </p:blipFill>
-        <p:spPr>
-          <a:xfrm>
-            <a:off x="6473131" y="3065436"/>
-            <a:ext cx="731520" cy="910453"/>
-          </a:xfrm>
-          <a:prstGeom prst="rect">
-            <a:avLst/>
-          </a:prstGeom>
-        </p:spPr>
-      </p:pic>
-      <p:pic>
-        <p:nvPicPr>
-          <p:cNvPr id="13" name="Picture 12">
+          <p:cNvPr id="3" name="Picture 2" descr="Diagram&#10;&#10;Description automatically generated">
             <a:extLst>
               <a:ext uri="{FF2B5EF4-FFF2-40B4-BE49-F238E27FC236}">
-                <a16:creationId xmlns:a16="http://schemas.microsoft.com/office/drawing/2014/main" id="{7C61A4C6-26D5-4C32-9B0F-2E7FE3854BF1}"/>
+                <a16:creationId xmlns:a16="http://schemas.microsoft.com/office/drawing/2014/main" id="{B276E078-1804-47C7-BF3B-C48937C80362}"/>
               </a:ext>
             </a:extLst>
           </p:cNvPr>
@@ -3908,72 +2963,21 @@
           <p:nvPr/>
         </p:nvPicPr>
         <p:blipFill>
-          <a:blip r:embed="rId7"/>
+          <a:blip r:embed="rId2"/>
           <a:stretch>
             <a:fillRect/>
           </a:stretch>
         </p:blipFill>
         <p:spPr>
           <a:xfrm>
-            <a:off x="7997724" y="2854760"/>
-            <a:ext cx="3012692" cy="1072479"/>
+            <a:off x="801220" y="462176"/>
+            <a:ext cx="10589559" cy="6059647"/>
           </a:xfrm>
           <a:prstGeom prst="rect">
             <a:avLst/>
           </a:prstGeom>
         </p:spPr>
       </p:pic>
-      <p:sp>
-        <p:nvSpPr>
-          <p:cNvPr id="38" name="TextBox 37">
-            <a:extLst>
-              <a:ext uri="{FF2B5EF4-FFF2-40B4-BE49-F238E27FC236}">
-                <a16:creationId xmlns:a16="http://schemas.microsoft.com/office/drawing/2014/main" id="{386B3091-5AE6-41E1-8C12-A4BBFB16F588}"/>
-              </a:ext>
-            </a:extLst>
-          </p:cNvPr>
-          <p:cNvSpPr txBox="1"/>
-          <p:nvPr/>
-        </p:nvSpPr>
-        <p:spPr>
-          <a:xfrm>
-            <a:off x="4197464" y="3504331"/>
-            <a:ext cx="1886508" cy="369332"/>
-          </a:xfrm>
-          <a:prstGeom prst="rect">
-            <a:avLst/>
-          </a:prstGeom>
-          <a:noFill/>
-        </p:spPr>
-        <p:txBody>
-          <a:bodyPr wrap="square">
-            <a:spAutoFit/>
-          </a:bodyPr>
-          <a:lstStyle/>
-          <a:p>
-            <a:pPr algn="ctr" fontAlgn="auto">
-              <a:spcBef>
-                <a:spcPts val="0"/>
-              </a:spcBef>
-              <a:spcAft>
-                <a:spcPts val="0"/>
-              </a:spcAft>
-              <a:defRPr/>
-            </a:pPr>
-            <a:r>
-              <a:rPr lang="en-US" dirty="0">
-                <a:solidFill>
-                  <a:schemeClr val="tx1"/>
-                </a:solidFill>
-                <a:latin typeface="Amazon Ember" charset="0"/>
-                <a:ea typeface="Amazon Ember" charset="0"/>
-                <a:cs typeface="Amazon Ember" charset="0"/>
-              </a:rPr>
-              <a:t>Secure phone call</a:t>
-            </a:r>
-          </a:p>
-        </p:txBody>
-      </p:sp>
     </p:spTree>
     <p:extLst>
       <p:ext uri="{BB962C8B-B14F-4D97-AF65-F5344CB8AC3E}">
